--- a/M10612001/NN.pptx
+++ b/M10612001/NN.pptx
@@ -14,8 +14,9 @@
     <p:sldId id="264" r:id="rId8"/>
     <p:sldId id="266" r:id="rId9"/>
     <p:sldId id="261" r:id="rId10"/>
-    <p:sldId id="260" r:id="rId11"/>
-    <p:sldId id="265" r:id="rId12"/>
+    <p:sldId id="267" r:id="rId11"/>
+    <p:sldId id="260" r:id="rId12"/>
+    <p:sldId id="265" r:id="rId13"/>
   </p:sldIdLst>
   <p:sldSz cx="12192000" cy="6858000"/>
   <p:notesSz cx="6858000" cy="9144000"/>
@@ -128,6 +129,7 @@
             <p14:sldId id="264"/>
             <p14:sldId id="266"/>
             <p14:sldId id="261"/>
+            <p14:sldId id="267"/>
             <p14:sldId id="260"/>
             <p14:sldId id="265"/>
           </p14:sldIdLst>
@@ -3177,6 +3179,82 @@
           <a:p>
             <a:r>
               <a:rPr lang="en-US" altLang="zh-TW" dirty="0" smtClean="0"/>
+              <a:t>Results</a:t>
+            </a:r>
+            <a:endParaRPr lang="zh-TW" altLang="en-US" dirty="0"/>
+          </a:p>
+        </p:txBody>
+      </p:sp>
+      <p:pic>
+        <p:nvPicPr>
+          <p:cNvPr id="3" name="圖片 2"/>
+          <p:cNvPicPr>
+            <a:picLocks noChangeAspect="1"/>
+          </p:cNvPicPr>
+          <p:nvPr/>
+        </p:nvPicPr>
+        <p:blipFill rotWithShape="1">
+          <a:blip r:embed="rId2"/>
+          <a:srcRect l="26239" t="14554" r="11113" b="33125"/>
+          <a:stretch/>
+        </p:blipFill>
+        <p:spPr>
+          <a:xfrm>
+            <a:off x="2020388" y="1920239"/>
+            <a:ext cx="8151223" cy="3827417"/>
+          </a:xfrm>
+          <a:prstGeom prst="rect">
+            <a:avLst/>
+          </a:prstGeom>
+        </p:spPr>
+      </p:pic>
+    </p:spTree>
+    <p:extLst>
+      <p:ext uri="{BB962C8B-B14F-4D97-AF65-F5344CB8AC3E}">
+        <p14:creationId xmlns:p14="http://schemas.microsoft.com/office/powerpoint/2010/main" val="1811791650"/>
+      </p:ext>
+    </p:extLst>
+  </p:cSld>
+  <p:clrMapOvr>
+    <a:masterClrMapping/>
+  </p:clrMapOvr>
+</p:sld>
+</file>
+
+<file path=ppt/slides/slide11.xml><?xml version="1.0" encoding="utf-8"?>
+<p:sld xmlns:a="http://schemas.openxmlformats.org/drawingml/2006/main" xmlns:r="http://schemas.openxmlformats.org/officeDocument/2006/relationships" xmlns:p="http://schemas.openxmlformats.org/presentationml/2006/main">
+  <p:cSld>
+    <p:spTree>
+      <p:nvGrpSpPr>
+        <p:cNvPr id="1" name=""/>
+        <p:cNvGrpSpPr/>
+        <p:nvPr/>
+      </p:nvGrpSpPr>
+      <p:grpSpPr>
+        <a:xfrm>
+          <a:off x="0" y="0"/>
+          <a:ext cx="0" cy="0"/>
+          <a:chOff x="0" y="0"/>
+          <a:chExt cx="0" cy="0"/>
+        </a:xfrm>
+      </p:grpSpPr>
+      <p:sp>
+        <p:nvSpPr>
+          <p:cNvPr id="2" name="標題 1"/>
+          <p:cNvSpPr>
+            <a:spLocks noGrp="1"/>
+          </p:cNvSpPr>
+          <p:nvPr>
+            <p:ph type="title"/>
+          </p:nvPr>
+        </p:nvSpPr>
+        <p:spPr/>
+        <p:txBody>
+          <a:bodyPr/>
+          <a:lstStyle/>
+          <a:p>
+            <a:r>
+              <a:rPr lang="en-US" altLang="zh-TW" dirty="0" smtClean="0"/>
               <a:t>Results of 5/1 prediction</a:t>
             </a:r>
             <a:endParaRPr lang="zh-TW" altLang="en-US" dirty="0"/>
@@ -3338,7 +3416,7 @@
 </p:sld>
 </file>
 
-<file path=ppt/slides/slide11.xml><?xml version="1.0" encoding="utf-8"?>
+<file path=ppt/slides/slide12.xml><?xml version="1.0" encoding="utf-8"?>
 <p:sld xmlns:a="http://schemas.openxmlformats.org/drawingml/2006/main" xmlns:r="http://schemas.openxmlformats.org/officeDocument/2006/relationships" xmlns:p="http://schemas.openxmlformats.org/presentationml/2006/main">
   <p:cSld>
     <p:spTree>

--- a/M10612001/NN.pptx
+++ b/M10612001/NN.pptx
@@ -13,8 +13,8 @@
     <p:sldId id="263" r:id="rId7"/>
     <p:sldId id="264" r:id="rId8"/>
     <p:sldId id="266" r:id="rId9"/>
-    <p:sldId id="261" r:id="rId10"/>
-    <p:sldId id="267" r:id="rId11"/>
+    <p:sldId id="267" r:id="rId10"/>
+    <p:sldId id="261" r:id="rId11"/>
     <p:sldId id="260" r:id="rId12"/>
     <p:sldId id="265" r:id="rId13"/>
   </p:sldIdLst>
@@ -128,8 +128,8 @@
             <p14:sldId id="263"/>
             <p14:sldId id="264"/>
             <p14:sldId id="266"/>
+            <p14:sldId id="267"/>
             <p14:sldId id="261"/>
-            <p14:sldId id="267"/>
             <p14:sldId id="260"/>
             <p14:sldId id="265"/>
           </p14:sldIdLst>
@@ -274,7 +274,7 @@
           <a:p>
             <a:fld id="{F600F558-F6C9-4C9F-AEB3-895E72B6FEC7}" type="datetimeFigureOut">
               <a:rPr lang="zh-TW" altLang="en-US" smtClean="0"/>
-              <a:t>2018/5/2</a:t>
+              <a:t>2018/5/3</a:t>
             </a:fld>
             <a:endParaRPr lang="zh-TW" altLang="en-US"/>
           </a:p>
@@ -444,7 +444,7 @@
           <a:p>
             <a:fld id="{F600F558-F6C9-4C9F-AEB3-895E72B6FEC7}" type="datetimeFigureOut">
               <a:rPr lang="zh-TW" altLang="en-US" smtClean="0"/>
-              <a:t>2018/5/2</a:t>
+              <a:t>2018/5/3</a:t>
             </a:fld>
             <a:endParaRPr lang="zh-TW" altLang="en-US"/>
           </a:p>
@@ -624,7 +624,7 @@
           <a:p>
             <a:fld id="{F600F558-F6C9-4C9F-AEB3-895E72B6FEC7}" type="datetimeFigureOut">
               <a:rPr lang="zh-TW" altLang="en-US" smtClean="0"/>
-              <a:t>2018/5/2</a:t>
+              <a:t>2018/5/3</a:t>
             </a:fld>
             <a:endParaRPr lang="zh-TW" altLang="en-US"/>
           </a:p>
@@ -794,7 +794,7 @@
           <a:p>
             <a:fld id="{F600F558-F6C9-4C9F-AEB3-895E72B6FEC7}" type="datetimeFigureOut">
               <a:rPr lang="zh-TW" altLang="en-US" smtClean="0"/>
-              <a:t>2018/5/2</a:t>
+              <a:t>2018/5/3</a:t>
             </a:fld>
             <a:endParaRPr lang="zh-TW" altLang="en-US"/>
           </a:p>
@@ -1040,7 +1040,7 @@
           <a:p>
             <a:fld id="{F600F558-F6C9-4C9F-AEB3-895E72B6FEC7}" type="datetimeFigureOut">
               <a:rPr lang="zh-TW" altLang="en-US" smtClean="0"/>
-              <a:t>2018/5/2</a:t>
+              <a:t>2018/5/3</a:t>
             </a:fld>
             <a:endParaRPr lang="zh-TW" altLang="en-US"/>
           </a:p>
@@ -1272,7 +1272,7 @@
           <a:p>
             <a:fld id="{F600F558-F6C9-4C9F-AEB3-895E72B6FEC7}" type="datetimeFigureOut">
               <a:rPr lang="zh-TW" altLang="en-US" smtClean="0"/>
-              <a:t>2018/5/2</a:t>
+              <a:t>2018/5/3</a:t>
             </a:fld>
             <a:endParaRPr lang="zh-TW" altLang="en-US"/>
           </a:p>
@@ -1639,7 +1639,7 @@
           <a:p>
             <a:fld id="{F600F558-F6C9-4C9F-AEB3-895E72B6FEC7}" type="datetimeFigureOut">
               <a:rPr lang="zh-TW" altLang="en-US" smtClean="0"/>
-              <a:t>2018/5/2</a:t>
+              <a:t>2018/5/3</a:t>
             </a:fld>
             <a:endParaRPr lang="zh-TW" altLang="en-US"/>
           </a:p>
@@ -1757,7 +1757,7 @@
           <a:p>
             <a:fld id="{F600F558-F6C9-4C9F-AEB3-895E72B6FEC7}" type="datetimeFigureOut">
               <a:rPr lang="zh-TW" altLang="en-US" smtClean="0"/>
-              <a:t>2018/5/2</a:t>
+              <a:t>2018/5/3</a:t>
             </a:fld>
             <a:endParaRPr lang="zh-TW" altLang="en-US"/>
           </a:p>
@@ -1852,7 +1852,7 @@
           <a:p>
             <a:fld id="{F600F558-F6C9-4C9F-AEB3-895E72B6FEC7}" type="datetimeFigureOut">
               <a:rPr lang="zh-TW" altLang="en-US" smtClean="0"/>
-              <a:t>2018/5/2</a:t>
+              <a:t>2018/5/3</a:t>
             </a:fld>
             <a:endParaRPr lang="zh-TW" altLang="en-US"/>
           </a:p>
@@ -2129,7 +2129,7 @@
           <a:p>
             <a:fld id="{F600F558-F6C9-4C9F-AEB3-895E72B6FEC7}" type="datetimeFigureOut">
               <a:rPr lang="zh-TW" altLang="en-US" smtClean="0"/>
-              <a:t>2018/5/2</a:t>
+              <a:t>2018/5/3</a:t>
             </a:fld>
             <a:endParaRPr lang="zh-TW" altLang="en-US"/>
           </a:p>
@@ -2382,7 +2382,7 @@
           <a:p>
             <a:fld id="{F600F558-F6C9-4C9F-AEB3-895E72B6FEC7}" type="datetimeFigureOut">
               <a:rPr lang="zh-TW" altLang="en-US" smtClean="0"/>
-              <a:t>2018/5/2</a:t>
+              <a:t>2018/5/3</a:t>
             </a:fld>
             <a:endParaRPr lang="zh-TW" altLang="en-US"/>
           </a:p>
@@ -2595,7 +2595,7 @@
           <a:p>
             <a:fld id="{F600F558-F6C9-4C9F-AEB3-895E72B6FEC7}" type="datetimeFigureOut">
               <a:rPr lang="zh-TW" altLang="en-US" smtClean="0"/>
-              <a:t>2018/5/2</a:t>
+              <a:t>2018/5/3</a:t>
             </a:fld>
             <a:endParaRPr lang="zh-TW" altLang="en-US"/>
           </a:p>
@@ -3179,15 +3179,54 @@
           <a:p>
             <a:r>
               <a:rPr lang="en-US" altLang="zh-TW" dirty="0" smtClean="0"/>
-              <a:t>Results</a:t>
-            </a:r>
+              <a:t>Difficulties</a:t>
+            </a:r>
+            <a:endParaRPr lang="zh-TW" altLang="en-US" dirty="0"/>
+          </a:p>
+        </p:txBody>
+      </p:sp>
+      <p:sp>
+        <p:nvSpPr>
+          <p:cNvPr id="3" name="內容版面配置區 2"/>
+          <p:cNvSpPr>
+            <a:spLocks noGrp="1"/>
+          </p:cNvSpPr>
+          <p:nvPr>
+            <p:ph idx="1"/>
+          </p:nvPr>
+        </p:nvSpPr>
+        <p:spPr/>
+        <p:txBody>
+          <a:bodyPr/>
+          <a:lstStyle/>
+          <a:p>
+            <a:r>
+              <a:rPr lang="zh-TW" altLang="en-US" dirty="0" smtClean="0">
+                <a:latin typeface="微軟正黑體" panose="020B0604030504040204" pitchFamily="34" charset="-120"/>
+                <a:ea typeface="微軟正黑體" panose="020B0604030504040204" pitchFamily="34" charset="-120"/>
+              </a:rPr>
+              <a:t>透過</a:t>
+            </a:r>
+            <a:r>
+              <a:rPr lang="zh-TW" altLang="en-US" dirty="0" smtClean="0">
+                <a:latin typeface="微軟正黑體" panose="020B0604030504040204" pitchFamily="34" charset="-120"/>
+                <a:ea typeface="微軟正黑體" panose="020B0604030504040204" pitchFamily="34" charset="-120"/>
+              </a:rPr>
+              <a:t>將特徵正規化，可以稍微解決這個問題，但成效有限。</a:t>
+            </a:r>
+            <a:endParaRPr lang="en-US" altLang="zh-TW" dirty="0" smtClean="0">
+              <a:latin typeface="微軟正黑體" panose="020B0604030504040204" pitchFamily="34" charset="-120"/>
+              <a:ea typeface="微軟正黑體" panose="020B0604030504040204" pitchFamily="34" charset="-120"/>
+            </a:endParaRPr>
+          </a:p>
+          <a:p>
             <a:endParaRPr lang="zh-TW" altLang="en-US" dirty="0"/>
           </a:p>
         </p:txBody>
       </p:sp>
       <p:pic>
         <p:nvPicPr>
-          <p:cNvPr id="3" name="圖片 2"/>
+          <p:cNvPr id="4" name="圖片 3"/>
           <p:cNvPicPr>
             <a:picLocks noChangeAspect="1"/>
           </p:cNvPicPr>
@@ -3195,13 +3234,13 @@
         </p:nvPicPr>
         <p:blipFill rotWithShape="1">
           <a:blip r:embed="rId2"/>
-          <a:srcRect l="26239" t="14554" r="11113" b="33125"/>
+          <a:srcRect l="28247" t="40983" r="25470" b="30680"/>
           <a:stretch/>
         </p:blipFill>
         <p:spPr>
           <a:xfrm>
-            <a:off x="2020388" y="1920239"/>
-            <a:ext cx="8151223" cy="3827417"/>
+            <a:off x="1280159" y="2638254"/>
+            <a:ext cx="6021978" cy="2072935"/>
           </a:xfrm>
           <a:prstGeom prst="rect">
             <a:avLst/>
@@ -3211,7 +3250,7 @@
     </p:spTree>
     <p:extLst>
       <p:ext uri="{BB962C8B-B14F-4D97-AF65-F5344CB8AC3E}">
-        <p14:creationId xmlns:p14="http://schemas.microsoft.com/office/powerpoint/2010/main" val="1811791650"/>
+        <p14:creationId xmlns:p14="http://schemas.microsoft.com/office/powerpoint/2010/main" val="326360045"/>
       </p:ext>
     </p:extLst>
   </p:cSld>
@@ -4628,58 +4667,1675 @@
                 <a:latin typeface="微軟正黑體" panose="020B0604030504040204" pitchFamily="34" charset="-120"/>
                 <a:ea typeface="微軟正黑體" panose="020B0604030504040204" pitchFamily="34" charset="-120"/>
               </a:rPr>
-              <a:t>推測可能是因為特徵之間的梯度太小，而線性模型無法完全擬合全部的資料</a:t>
+              <a:t>因特徵</a:t>
+            </a:r>
+            <a:r>
+              <a:rPr lang="zh-TW" altLang="en-US" dirty="0" smtClean="0">
+                <a:latin typeface="微軟正黑體" panose="020B0604030504040204" pitchFamily="34" charset="-120"/>
+                <a:ea typeface="微軟正黑體" panose="020B0604030504040204" pitchFamily="34" charset="-120"/>
+              </a:rPr>
+              <a:t>之間的梯度太小，而線性模型無法完全擬合全部的</a:t>
+            </a:r>
+            <a:r>
+              <a:rPr lang="zh-TW" altLang="en-US" dirty="0" smtClean="0">
+                <a:latin typeface="微軟正黑體" panose="020B0604030504040204" pitchFamily="34" charset="-120"/>
+                <a:ea typeface="微軟正黑體" panose="020B0604030504040204" pitchFamily="34" charset="-120"/>
+              </a:rPr>
+              <a:t>資料</a:t>
             </a:r>
             <a:endParaRPr lang="en-US" altLang="zh-TW" dirty="0" smtClean="0">
               <a:latin typeface="微軟正黑體" panose="020B0604030504040204" pitchFamily="34" charset="-120"/>
               <a:ea typeface="微軟正黑體" panose="020B0604030504040204" pitchFamily="34" charset="-120"/>
             </a:endParaRPr>
           </a:p>
-          <a:p>
-            <a:r>
-              <a:rPr lang="zh-TW" altLang="en-US" dirty="0" smtClean="0">
-                <a:latin typeface="微軟正黑體" panose="020B0604030504040204" pitchFamily="34" charset="-120"/>
-                <a:ea typeface="微軟正黑體" panose="020B0604030504040204" pitchFamily="34" charset="-120"/>
-              </a:rPr>
-              <a:t>透過將特徵正規化，可以稍微解決這個問題，但成效有限。</a:t>
-            </a:r>
-            <a:endParaRPr lang="en-US" altLang="zh-TW" dirty="0" smtClean="0">
-              <a:latin typeface="微軟正黑體" panose="020B0604030504040204" pitchFamily="34" charset="-120"/>
-              <a:ea typeface="微軟正黑體" panose="020B0604030504040204" pitchFamily="34" charset="-120"/>
-            </a:endParaRPr>
-          </a:p>
-          <a:p>
-            <a:endParaRPr lang="zh-TW" altLang="en-US" dirty="0"/>
-          </a:p>
-        </p:txBody>
-      </p:sp>
-      <p:pic>
-        <p:nvPicPr>
-          <p:cNvPr id="4" name="圖片 3"/>
-          <p:cNvPicPr>
-            <a:picLocks noChangeAspect="1"/>
-          </p:cNvPicPr>
-          <p:nvPr/>
-        </p:nvPicPr>
-        <p:blipFill rotWithShape="1">
-          <a:blip r:embed="rId2"/>
-          <a:srcRect l="28247" t="40983" r="25470" b="30680"/>
-          <a:stretch/>
-        </p:blipFill>
-        <p:spPr>
-          <a:xfrm>
-            <a:off x="1058090" y="3461214"/>
-            <a:ext cx="6021978" cy="2072935"/>
-          </a:xfrm>
-          <a:prstGeom prst="rect">
-            <a:avLst/>
-          </a:prstGeom>
-        </p:spPr>
-      </p:pic>
+        </p:txBody>
+      </p:sp>
+      <p:graphicFrame>
+        <p:nvGraphicFramePr>
+          <p:cNvPr id="6" name="表格 5"/>
+          <p:cNvGraphicFramePr>
+            <a:graphicFrameLocks noGrp="1"/>
+          </p:cNvGraphicFramePr>
+          <p:nvPr>
+            <p:extLst>
+              <p:ext uri="{D42A27DB-BD31-4B8C-83A1-F6EECF244321}">
+                <p14:modId xmlns:p14="http://schemas.microsoft.com/office/powerpoint/2010/main" val="1635477303"/>
+              </p:ext>
+            </p:extLst>
+          </p:nvPr>
+        </p:nvGraphicFramePr>
+        <p:xfrm>
+          <a:off x="838200" y="3504490"/>
+          <a:ext cx="9876788" cy="2622642"/>
+        </p:xfrm>
+        <a:graphic>
+          <a:graphicData uri="http://schemas.openxmlformats.org/drawingml/2006/table">
+            <a:tbl>
+              <a:tblPr>
+                <a:tableStyleId>{5940675A-B579-460E-94D1-54222C63F5DA}</a:tableStyleId>
+              </a:tblPr>
+              <a:tblGrid>
+                <a:gridCol w="1552303">
+                  <a:extLst>
+                    <a:ext uri="{9D8B030D-6E8A-4147-A177-3AD203B41FA5}">
+                      <a16:colId xmlns:a16="http://schemas.microsoft.com/office/drawing/2014/main" val="167802069"/>
+                    </a:ext>
+                  </a:extLst>
+                </a:gridCol>
+                <a:gridCol w="1449977">
+                  <a:extLst>
+                    <a:ext uri="{9D8B030D-6E8A-4147-A177-3AD203B41FA5}">
+                      <a16:colId xmlns:a16="http://schemas.microsoft.com/office/drawing/2014/main" val="3246267982"/>
+                    </a:ext>
+                  </a:extLst>
+                </a:gridCol>
+                <a:gridCol w="1149531">
+                  <a:extLst>
+                    <a:ext uri="{9D8B030D-6E8A-4147-A177-3AD203B41FA5}">
+                      <a16:colId xmlns:a16="http://schemas.microsoft.com/office/drawing/2014/main" val="631841570"/>
+                    </a:ext>
+                  </a:extLst>
+                </a:gridCol>
+                <a:gridCol w="836023">
+                  <a:extLst>
+                    <a:ext uri="{9D8B030D-6E8A-4147-A177-3AD203B41FA5}">
+                      <a16:colId xmlns:a16="http://schemas.microsoft.com/office/drawing/2014/main" val="4221405974"/>
+                    </a:ext>
+                  </a:extLst>
+                </a:gridCol>
+                <a:gridCol w="724829">
+                  <a:extLst>
+                    <a:ext uri="{9D8B030D-6E8A-4147-A177-3AD203B41FA5}">
+                      <a16:colId xmlns:a16="http://schemas.microsoft.com/office/drawing/2014/main" val="2192993061"/>
+                    </a:ext>
+                  </a:extLst>
+                </a:gridCol>
+                <a:gridCol w="832825">
+                  <a:extLst>
+                    <a:ext uri="{9D8B030D-6E8A-4147-A177-3AD203B41FA5}">
+                      <a16:colId xmlns:a16="http://schemas.microsoft.com/office/drawing/2014/main" val="423666567"/>
+                    </a:ext>
+                  </a:extLst>
+                </a:gridCol>
+                <a:gridCol w="832825">
+                  <a:extLst>
+                    <a:ext uri="{9D8B030D-6E8A-4147-A177-3AD203B41FA5}">
+                      <a16:colId xmlns:a16="http://schemas.microsoft.com/office/drawing/2014/main" val="573397132"/>
+                    </a:ext>
+                  </a:extLst>
+                </a:gridCol>
+                <a:gridCol w="832825">
+                  <a:extLst>
+                    <a:ext uri="{9D8B030D-6E8A-4147-A177-3AD203B41FA5}">
+                      <a16:colId xmlns:a16="http://schemas.microsoft.com/office/drawing/2014/main" val="1745063148"/>
+                    </a:ext>
+                  </a:extLst>
+                </a:gridCol>
+                <a:gridCol w="832825">
+                  <a:extLst>
+                    <a:ext uri="{9D8B030D-6E8A-4147-A177-3AD203B41FA5}">
+                      <a16:colId xmlns:a16="http://schemas.microsoft.com/office/drawing/2014/main" val="20406876"/>
+                    </a:ext>
+                  </a:extLst>
+                </a:gridCol>
+                <a:gridCol w="832825">
+                  <a:extLst>
+                    <a:ext uri="{9D8B030D-6E8A-4147-A177-3AD203B41FA5}">
+                      <a16:colId xmlns:a16="http://schemas.microsoft.com/office/drawing/2014/main" val="1159381722"/>
+                    </a:ext>
+                  </a:extLst>
+                </a:gridCol>
+              </a:tblGrid>
+              <a:tr h="672377">
+                <a:tc>
+                  <a:txBody>
+                    <a:bodyPr/>
+                    <a:lstStyle/>
+                    <a:p>
+                      <a:pPr algn="ctr" fontAlgn="ctr"/>
+                      <a:r>
+                        <a:rPr lang="en-US" sz="1400" u="none" strike="noStrike">
+                          <a:effectLst/>
+                          <a:latin typeface="+mn-lt"/>
+                        </a:rPr>
+                        <a:t>stationId</a:t>
+                      </a:r>
+                      <a:endParaRPr lang="en-US" sz="1400" b="0" i="0" u="none" strike="noStrike">
+                        <a:solidFill>
+                          <a:srgbClr val="000000"/>
+                        </a:solidFill>
+                        <a:effectLst/>
+                        <a:latin typeface="+mn-lt"/>
+                        <a:ea typeface="新細明體" panose="02020500000000000000" pitchFamily="18" charset="-120"/>
+                      </a:endParaRPr>
+                    </a:p>
+                  </a:txBody>
+                  <a:tcPr marL="9525" marR="9525" marT="9525" marB="0" anchor="ctr"/>
+                </a:tc>
+                <a:tc>
+                  <a:txBody>
+                    <a:bodyPr/>
+                    <a:lstStyle/>
+                    <a:p>
+                      <a:pPr algn="ctr" fontAlgn="ctr"/>
+                      <a:r>
+                        <a:rPr lang="en-US" sz="1400" u="none" strike="noStrike">
+                          <a:effectLst/>
+                          <a:latin typeface="+mn-lt"/>
+                        </a:rPr>
+                        <a:t>utc_time</a:t>
+                      </a:r>
+                      <a:endParaRPr lang="en-US" sz="1400" b="0" i="0" u="none" strike="noStrike">
+                        <a:solidFill>
+                          <a:srgbClr val="000000"/>
+                        </a:solidFill>
+                        <a:effectLst/>
+                        <a:latin typeface="+mn-lt"/>
+                        <a:ea typeface="新細明體" panose="02020500000000000000" pitchFamily="18" charset="-120"/>
+                      </a:endParaRPr>
+                    </a:p>
+                  </a:txBody>
+                  <a:tcPr marL="9525" marR="9525" marT="9525" marB="0" anchor="ctr"/>
+                </a:tc>
+                <a:tc>
+                  <a:txBody>
+                    <a:bodyPr/>
+                    <a:lstStyle/>
+                    <a:p>
+                      <a:pPr algn="ctr" fontAlgn="ctr"/>
+                      <a:r>
+                        <a:rPr lang="en-US" sz="1400" u="none" strike="noStrike">
+                          <a:effectLst/>
+                          <a:latin typeface="+mn-lt"/>
+                        </a:rPr>
+                        <a:t>temperature</a:t>
+                      </a:r>
+                      <a:endParaRPr lang="en-US" sz="1400" b="0" i="0" u="none" strike="noStrike">
+                        <a:solidFill>
+                          <a:srgbClr val="000000"/>
+                        </a:solidFill>
+                        <a:effectLst/>
+                        <a:latin typeface="+mn-lt"/>
+                        <a:ea typeface="新細明體" panose="02020500000000000000" pitchFamily="18" charset="-120"/>
+                      </a:endParaRPr>
+                    </a:p>
+                  </a:txBody>
+                  <a:tcPr marL="9525" marR="9525" marT="9525" marB="0" anchor="ctr"/>
+                </a:tc>
+                <a:tc>
+                  <a:txBody>
+                    <a:bodyPr/>
+                    <a:lstStyle/>
+                    <a:p>
+                      <a:pPr algn="ctr" fontAlgn="ctr"/>
+                      <a:r>
+                        <a:rPr lang="en-US" sz="1400" u="none" strike="noStrike">
+                          <a:effectLst/>
+                          <a:latin typeface="+mn-lt"/>
+                        </a:rPr>
+                        <a:t>pressure</a:t>
+                      </a:r>
+                      <a:endParaRPr lang="en-US" sz="1400" b="0" i="0" u="none" strike="noStrike">
+                        <a:solidFill>
+                          <a:srgbClr val="000000"/>
+                        </a:solidFill>
+                        <a:effectLst/>
+                        <a:latin typeface="+mn-lt"/>
+                        <a:ea typeface="新細明體" panose="02020500000000000000" pitchFamily="18" charset="-120"/>
+                      </a:endParaRPr>
+                    </a:p>
+                  </a:txBody>
+                  <a:tcPr marL="9525" marR="9525" marT="9525" marB="0" anchor="ctr"/>
+                </a:tc>
+                <a:tc>
+                  <a:txBody>
+                    <a:bodyPr/>
+                    <a:lstStyle/>
+                    <a:p>
+                      <a:pPr algn="ctr" fontAlgn="ctr"/>
+                      <a:r>
+                        <a:rPr lang="en-US" sz="1400" u="none" strike="noStrike">
+                          <a:effectLst/>
+                          <a:latin typeface="+mn-lt"/>
+                        </a:rPr>
+                        <a:t>humidity</a:t>
+                      </a:r>
+                      <a:endParaRPr lang="en-US" sz="1400" b="0" i="0" u="none" strike="noStrike">
+                        <a:solidFill>
+                          <a:srgbClr val="000000"/>
+                        </a:solidFill>
+                        <a:effectLst/>
+                        <a:latin typeface="+mn-lt"/>
+                        <a:ea typeface="新細明體" panose="02020500000000000000" pitchFamily="18" charset="-120"/>
+                      </a:endParaRPr>
+                    </a:p>
+                  </a:txBody>
+                  <a:tcPr marL="9525" marR="9525" marT="9525" marB="0" anchor="ctr"/>
+                </a:tc>
+                <a:tc>
+                  <a:txBody>
+                    <a:bodyPr/>
+                    <a:lstStyle/>
+                    <a:p>
+                      <a:pPr algn="ctr" fontAlgn="ctr"/>
+                      <a:r>
+                        <a:rPr lang="en-US" sz="1400" u="none" strike="noStrike">
+                          <a:effectLst/>
+                          <a:latin typeface="+mn-lt"/>
+                        </a:rPr>
+                        <a:t>wind_direction</a:t>
+                      </a:r>
+                      <a:endParaRPr lang="en-US" sz="1400" b="0" i="0" u="none" strike="noStrike">
+                        <a:solidFill>
+                          <a:srgbClr val="000000"/>
+                        </a:solidFill>
+                        <a:effectLst/>
+                        <a:latin typeface="+mn-lt"/>
+                        <a:ea typeface="新細明體" panose="02020500000000000000" pitchFamily="18" charset="-120"/>
+                      </a:endParaRPr>
+                    </a:p>
+                  </a:txBody>
+                  <a:tcPr marL="9525" marR="9525" marT="9525" marB="0" anchor="ctr"/>
+                </a:tc>
+                <a:tc>
+                  <a:txBody>
+                    <a:bodyPr/>
+                    <a:lstStyle/>
+                    <a:p>
+                      <a:pPr algn="ctr" fontAlgn="ctr"/>
+                      <a:r>
+                        <a:rPr lang="en-US" sz="1400" u="none" strike="noStrike">
+                          <a:effectLst/>
+                          <a:latin typeface="+mn-lt"/>
+                        </a:rPr>
+                        <a:t>wind_speed</a:t>
+                      </a:r>
+                      <a:endParaRPr lang="en-US" sz="1400" b="0" i="0" u="none" strike="noStrike">
+                        <a:solidFill>
+                          <a:srgbClr val="000000"/>
+                        </a:solidFill>
+                        <a:effectLst/>
+                        <a:latin typeface="+mn-lt"/>
+                        <a:ea typeface="新細明體" panose="02020500000000000000" pitchFamily="18" charset="-120"/>
+                      </a:endParaRPr>
+                    </a:p>
+                  </a:txBody>
+                  <a:tcPr marL="9525" marR="9525" marT="9525" marB="0" anchor="ctr"/>
+                </a:tc>
+                <a:tc>
+                  <a:txBody>
+                    <a:bodyPr/>
+                    <a:lstStyle/>
+                    <a:p>
+                      <a:pPr algn="ctr" fontAlgn="ctr"/>
+                      <a:r>
+                        <a:rPr lang="en-US" sz="1400" u="none" strike="noStrike">
+                          <a:effectLst/>
+                          <a:latin typeface="+mn-lt"/>
+                        </a:rPr>
+                        <a:t>PM2.5</a:t>
+                      </a:r>
+                      <a:endParaRPr lang="en-US" sz="1400" b="0" i="0" u="none" strike="noStrike">
+                        <a:solidFill>
+                          <a:srgbClr val="000000"/>
+                        </a:solidFill>
+                        <a:effectLst/>
+                        <a:latin typeface="+mn-lt"/>
+                        <a:ea typeface="新細明體" panose="02020500000000000000" pitchFamily="18" charset="-120"/>
+                      </a:endParaRPr>
+                    </a:p>
+                  </a:txBody>
+                  <a:tcPr marL="9525" marR="9525" marT="9525" marB="0" anchor="ctr"/>
+                </a:tc>
+                <a:tc>
+                  <a:txBody>
+                    <a:bodyPr/>
+                    <a:lstStyle/>
+                    <a:p>
+                      <a:pPr algn="ctr" fontAlgn="ctr"/>
+                      <a:r>
+                        <a:rPr lang="en-US" sz="1400" u="none" strike="noStrike">
+                          <a:effectLst/>
+                          <a:latin typeface="+mn-lt"/>
+                        </a:rPr>
+                        <a:t>PM10</a:t>
+                      </a:r>
+                      <a:endParaRPr lang="en-US" sz="1400" b="0" i="0" u="none" strike="noStrike">
+                        <a:solidFill>
+                          <a:srgbClr val="000000"/>
+                        </a:solidFill>
+                        <a:effectLst/>
+                        <a:latin typeface="+mn-lt"/>
+                        <a:ea typeface="新細明體" panose="02020500000000000000" pitchFamily="18" charset="-120"/>
+                      </a:endParaRPr>
+                    </a:p>
+                  </a:txBody>
+                  <a:tcPr marL="9525" marR="9525" marT="9525" marB="0" anchor="ctr"/>
+                </a:tc>
+                <a:tc>
+                  <a:txBody>
+                    <a:bodyPr/>
+                    <a:lstStyle/>
+                    <a:p>
+                      <a:pPr algn="ctr" fontAlgn="ctr"/>
+                      <a:r>
+                        <a:rPr lang="en-US" sz="1400" u="none" strike="noStrike">
+                          <a:effectLst/>
+                          <a:latin typeface="+mn-lt"/>
+                        </a:rPr>
+                        <a:t>O3</a:t>
+                      </a:r>
+                      <a:endParaRPr lang="en-US" sz="1400" b="0" i="0" u="none" strike="noStrike">
+                        <a:solidFill>
+                          <a:srgbClr val="000000"/>
+                        </a:solidFill>
+                        <a:effectLst/>
+                        <a:latin typeface="+mn-lt"/>
+                        <a:ea typeface="新細明體" panose="02020500000000000000" pitchFamily="18" charset="-120"/>
+                      </a:endParaRPr>
+                    </a:p>
+                  </a:txBody>
+                  <a:tcPr marL="9525" marR="9525" marT="9525" marB="0" anchor="ctr"/>
+                </a:tc>
+                <a:extLst>
+                  <a:ext uri="{0D108BD9-81ED-4DB2-BD59-A6C34878D82A}">
+                    <a16:rowId xmlns:a16="http://schemas.microsoft.com/office/drawing/2014/main" val="4137743331"/>
+                  </a:ext>
+                </a:extLst>
+              </a:tr>
+              <a:tr h="390053">
+                <a:tc>
+                  <a:txBody>
+                    <a:bodyPr/>
+                    <a:lstStyle/>
+                    <a:p>
+                      <a:pPr algn="ctr" fontAlgn="ctr"/>
+                      <a:r>
+                        <a:rPr lang="en-US" sz="1400" u="none" strike="noStrike">
+                          <a:effectLst/>
+                          <a:latin typeface="+mn-lt"/>
+                        </a:rPr>
+                        <a:t>aotizhongxin_aq</a:t>
+                      </a:r>
+                      <a:endParaRPr lang="en-US" sz="1400" b="0" i="0" u="none" strike="noStrike">
+                        <a:solidFill>
+                          <a:srgbClr val="000000"/>
+                        </a:solidFill>
+                        <a:effectLst/>
+                        <a:latin typeface="+mn-lt"/>
+                        <a:ea typeface="新細明體" panose="02020500000000000000" pitchFamily="18" charset="-120"/>
+                      </a:endParaRPr>
+                    </a:p>
+                  </a:txBody>
+                  <a:tcPr marL="9525" marR="9525" marT="9525" marB="0" anchor="ctr"/>
+                </a:tc>
+                <a:tc>
+                  <a:txBody>
+                    <a:bodyPr/>
+                    <a:lstStyle/>
+                    <a:p>
+                      <a:pPr algn="ctr" fontAlgn="ctr"/>
+                      <a:r>
+                        <a:rPr lang="en-US" altLang="zh-TW" sz="1400" u="none" strike="noStrike" dirty="0">
+                          <a:effectLst/>
+                          <a:latin typeface="+mn-lt"/>
+                        </a:rPr>
+                        <a:t>2018/5/1 08:00</a:t>
+                      </a:r>
+                      <a:endParaRPr lang="en-US" altLang="zh-TW" sz="1400" b="0" i="0" u="none" strike="noStrike" dirty="0">
+                        <a:solidFill>
+                          <a:srgbClr val="000000"/>
+                        </a:solidFill>
+                        <a:effectLst/>
+                        <a:latin typeface="+mn-lt"/>
+                        <a:ea typeface="新細明體" panose="02020500000000000000" pitchFamily="18" charset="-120"/>
+                      </a:endParaRPr>
+                    </a:p>
+                  </a:txBody>
+                  <a:tcPr marL="9525" marR="9525" marT="9525" marB="0" anchor="ctr"/>
+                </a:tc>
+                <a:tc>
+                  <a:txBody>
+                    <a:bodyPr/>
+                    <a:lstStyle/>
+                    <a:p>
+                      <a:pPr algn="ctr" fontAlgn="ctr"/>
+                      <a:r>
+                        <a:rPr lang="en-US" altLang="zh-TW" sz="1400" u="none" strike="noStrike">
+                          <a:effectLst/>
+                          <a:latin typeface="+mn-lt"/>
+                        </a:rPr>
+                        <a:t>20</a:t>
+                      </a:r>
+                      <a:endParaRPr lang="en-US" altLang="zh-TW" sz="1400" b="0" i="0" u="none" strike="noStrike">
+                        <a:solidFill>
+                          <a:srgbClr val="000000"/>
+                        </a:solidFill>
+                        <a:effectLst/>
+                        <a:latin typeface="+mn-lt"/>
+                        <a:ea typeface="新細明體" panose="02020500000000000000" pitchFamily="18" charset="-120"/>
+                      </a:endParaRPr>
+                    </a:p>
+                  </a:txBody>
+                  <a:tcPr marL="9525" marR="9525" marT="9525" marB="0" anchor="ctr"/>
+                </a:tc>
+                <a:tc>
+                  <a:txBody>
+                    <a:bodyPr/>
+                    <a:lstStyle/>
+                    <a:p>
+                      <a:pPr algn="ctr" fontAlgn="ctr"/>
+                      <a:r>
+                        <a:rPr lang="en-US" altLang="zh-TW" sz="1400" u="none" strike="noStrike">
+                          <a:effectLst/>
+                          <a:latin typeface="+mn-lt"/>
+                        </a:rPr>
+                        <a:t>1008.02</a:t>
+                      </a:r>
+                      <a:endParaRPr lang="en-US" altLang="zh-TW" sz="1400" b="0" i="0" u="none" strike="noStrike">
+                        <a:solidFill>
+                          <a:srgbClr val="000000"/>
+                        </a:solidFill>
+                        <a:effectLst/>
+                        <a:latin typeface="+mn-lt"/>
+                        <a:ea typeface="新細明體" panose="02020500000000000000" pitchFamily="18" charset="-120"/>
+                      </a:endParaRPr>
+                    </a:p>
+                  </a:txBody>
+                  <a:tcPr marL="9525" marR="9525" marT="9525" marB="0" anchor="ctr"/>
+                </a:tc>
+                <a:tc>
+                  <a:txBody>
+                    <a:bodyPr/>
+                    <a:lstStyle/>
+                    <a:p>
+                      <a:pPr algn="ctr" fontAlgn="ctr"/>
+                      <a:r>
+                        <a:rPr lang="en-US" altLang="zh-TW" sz="1400" u="none" strike="noStrike">
+                          <a:effectLst/>
+                          <a:latin typeface="+mn-lt"/>
+                        </a:rPr>
+                        <a:t>24</a:t>
+                      </a:r>
+                      <a:endParaRPr lang="en-US" altLang="zh-TW" sz="1400" b="0" i="0" u="none" strike="noStrike">
+                        <a:solidFill>
+                          <a:srgbClr val="000000"/>
+                        </a:solidFill>
+                        <a:effectLst/>
+                        <a:latin typeface="+mn-lt"/>
+                        <a:ea typeface="新細明體" panose="02020500000000000000" pitchFamily="18" charset="-120"/>
+                      </a:endParaRPr>
+                    </a:p>
+                  </a:txBody>
+                  <a:tcPr marL="9525" marR="9525" marT="9525" marB="0" anchor="ctr"/>
+                </a:tc>
+                <a:tc>
+                  <a:txBody>
+                    <a:bodyPr/>
+                    <a:lstStyle/>
+                    <a:p>
+                      <a:pPr algn="ctr" fontAlgn="ctr"/>
+                      <a:r>
+                        <a:rPr lang="en-US" altLang="zh-TW" sz="1400" u="none" strike="noStrike">
+                          <a:effectLst/>
+                          <a:latin typeface="+mn-lt"/>
+                        </a:rPr>
+                        <a:t>15.78</a:t>
+                      </a:r>
+                      <a:endParaRPr lang="en-US" altLang="zh-TW" sz="1400" b="0" i="0" u="none" strike="noStrike">
+                        <a:solidFill>
+                          <a:srgbClr val="000000"/>
+                        </a:solidFill>
+                        <a:effectLst/>
+                        <a:latin typeface="+mn-lt"/>
+                        <a:ea typeface="新細明體" panose="02020500000000000000" pitchFamily="18" charset="-120"/>
+                      </a:endParaRPr>
+                    </a:p>
+                  </a:txBody>
+                  <a:tcPr marL="9525" marR="9525" marT="9525" marB="0" anchor="ctr"/>
+                </a:tc>
+                <a:tc>
+                  <a:txBody>
+                    <a:bodyPr/>
+                    <a:lstStyle/>
+                    <a:p>
+                      <a:pPr algn="ctr" fontAlgn="ctr"/>
+                      <a:r>
+                        <a:rPr lang="en-US" altLang="zh-TW" sz="1400" u="none" strike="noStrike">
+                          <a:effectLst/>
+                          <a:latin typeface="+mn-lt"/>
+                        </a:rPr>
+                        <a:t>2.15</a:t>
+                      </a:r>
+                      <a:endParaRPr lang="en-US" altLang="zh-TW" sz="1400" b="0" i="0" u="none" strike="noStrike">
+                        <a:solidFill>
+                          <a:srgbClr val="000000"/>
+                        </a:solidFill>
+                        <a:effectLst/>
+                        <a:latin typeface="+mn-lt"/>
+                        <a:ea typeface="新細明體" panose="02020500000000000000" pitchFamily="18" charset="-120"/>
+                      </a:endParaRPr>
+                    </a:p>
+                  </a:txBody>
+                  <a:tcPr marL="9525" marR="9525" marT="9525" marB="0" anchor="ctr"/>
+                </a:tc>
+                <a:tc>
+                  <a:txBody>
+                    <a:bodyPr/>
+                    <a:lstStyle/>
+                    <a:p>
+                      <a:pPr algn="ctr" fontAlgn="b"/>
+                      <a:r>
+                        <a:rPr lang="en-US" altLang="zh-TW" sz="1400" u="none" strike="noStrike">
+                          <a:effectLst/>
+                          <a:latin typeface="+mn-lt"/>
+                        </a:rPr>
+                        <a:t>43.84981</a:t>
+                      </a:r>
+                      <a:endParaRPr lang="en-US" altLang="zh-TW" sz="1400" b="0" i="0" u="none" strike="noStrike">
+                        <a:solidFill>
+                          <a:srgbClr val="000000"/>
+                        </a:solidFill>
+                        <a:effectLst/>
+                        <a:latin typeface="+mn-lt"/>
+                        <a:ea typeface="新細明體" panose="02020500000000000000" pitchFamily="18" charset="-120"/>
+                      </a:endParaRPr>
+                    </a:p>
+                  </a:txBody>
+                  <a:tcPr marL="9525" marR="9525" marT="9525" marB="0" anchor="b"/>
+                </a:tc>
+                <a:tc>
+                  <a:txBody>
+                    <a:bodyPr/>
+                    <a:lstStyle/>
+                    <a:p>
+                      <a:pPr algn="ctr" fontAlgn="b"/>
+                      <a:r>
+                        <a:rPr lang="en-US" altLang="zh-TW" sz="1400" u="none" strike="noStrike">
+                          <a:effectLst/>
+                          <a:latin typeface="+mn-lt"/>
+                        </a:rPr>
+                        <a:t>71.43953</a:t>
+                      </a:r>
+                      <a:endParaRPr lang="en-US" altLang="zh-TW" sz="1400" b="0" i="0" u="none" strike="noStrike">
+                        <a:solidFill>
+                          <a:srgbClr val="000000"/>
+                        </a:solidFill>
+                        <a:effectLst/>
+                        <a:latin typeface="+mn-lt"/>
+                        <a:ea typeface="新細明體" panose="02020500000000000000" pitchFamily="18" charset="-120"/>
+                      </a:endParaRPr>
+                    </a:p>
+                  </a:txBody>
+                  <a:tcPr marL="9525" marR="9525" marT="9525" marB="0" anchor="b"/>
+                </a:tc>
+                <a:tc>
+                  <a:txBody>
+                    <a:bodyPr/>
+                    <a:lstStyle/>
+                    <a:p>
+                      <a:pPr algn="ctr" fontAlgn="b"/>
+                      <a:r>
+                        <a:rPr lang="en-US" altLang="zh-TW" sz="1400" u="none" strike="noStrike">
+                          <a:effectLst/>
+                          <a:latin typeface="+mn-lt"/>
+                        </a:rPr>
+                        <a:t>63.86796</a:t>
+                      </a:r>
+                      <a:endParaRPr lang="en-US" altLang="zh-TW" sz="1400" b="0" i="0" u="none" strike="noStrike">
+                        <a:solidFill>
+                          <a:srgbClr val="000000"/>
+                        </a:solidFill>
+                        <a:effectLst/>
+                        <a:latin typeface="+mn-lt"/>
+                        <a:ea typeface="新細明體" panose="02020500000000000000" pitchFamily="18" charset="-120"/>
+                      </a:endParaRPr>
+                    </a:p>
+                  </a:txBody>
+                  <a:tcPr marL="9525" marR="9525" marT="9525" marB="0" anchor="b"/>
+                </a:tc>
+                <a:extLst>
+                  <a:ext uri="{0D108BD9-81ED-4DB2-BD59-A6C34878D82A}">
+                    <a16:rowId xmlns:a16="http://schemas.microsoft.com/office/drawing/2014/main" val="2300333975"/>
+                  </a:ext>
+                </a:extLst>
+              </a:tr>
+              <a:tr h="390053">
+                <a:tc>
+                  <a:txBody>
+                    <a:bodyPr/>
+                    <a:lstStyle/>
+                    <a:p>
+                      <a:pPr algn="ctr" fontAlgn="ctr"/>
+                      <a:r>
+                        <a:rPr lang="en-US" sz="1400" u="none" strike="noStrike">
+                          <a:effectLst/>
+                          <a:latin typeface="+mn-lt"/>
+                        </a:rPr>
+                        <a:t>yongdingmennei_aq</a:t>
+                      </a:r>
+                      <a:endParaRPr lang="en-US" sz="1400" b="0" i="0" u="none" strike="noStrike">
+                        <a:solidFill>
+                          <a:srgbClr val="000000"/>
+                        </a:solidFill>
+                        <a:effectLst/>
+                        <a:latin typeface="+mn-lt"/>
+                        <a:ea typeface="新細明體" panose="02020500000000000000" pitchFamily="18" charset="-120"/>
+                      </a:endParaRPr>
+                    </a:p>
+                  </a:txBody>
+                  <a:tcPr marL="9525" marR="9525" marT="9525" marB="0" anchor="ctr"/>
+                </a:tc>
+                <a:tc>
+                  <a:txBody>
+                    <a:bodyPr/>
+                    <a:lstStyle/>
+                    <a:p>
+                      <a:pPr algn="ctr" fontAlgn="ctr"/>
+                      <a:r>
+                        <a:rPr lang="en-US" altLang="zh-TW" sz="1400" u="none" strike="noStrike">
+                          <a:effectLst/>
+                          <a:latin typeface="+mn-lt"/>
+                        </a:rPr>
+                        <a:t>2018/5/2 13:00</a:t>
+                      </a:r>
+                      <a:endParaRPr lang="en-US" altLang="zh-TW" sz="1400" b="0" i="0" u="none" strike="noStrike">
+                        <a:solidFill>
+                          <a:srgbClr val="000000"/>
+                        </a:solidFill>
+                        <a:effectLst/>
+                        <a:latin typeface="+mn-lt"/>
+                        <a:ea typeface="新細明體" panose="02020500000000000000" pitchFamily="18" charset="-120"/>
+                      </a:endParaRPr>
+                    </a:p>
+                  </a:txBody>
+                  <a:tcPr marL="9525" marR="9525" marT="9525" marB="0" anchor="ctr"/>
+                </a:tc>
+                <a:tc>
+                  <a:txBody>
+                    <a:bodyPr/>
+                    <a:lstStyle/>
+                    <a:p>
+                      <a:pPr algn="ctr" fontAlgn="ctr"/>
+                      <a:r>
+                        <a:rPr lang="en-US" altLang="zh-TW" sz="1400" u="none" strike="noStrike">
+                          <a:effectLst/>
+                          <a:latin typeface="+mn-lt"/>
+                        </a:rPr>
+                        <a:t>20.03</a:t>
+                      </a:r>
+                      <a:endParaRPr lang="en-US" altLang="zh-TW" sz="1400" b="0" i="0" u="none" strike="noStrike">
+                        <a:solidFill>
+                          <a:srgbClr val="000000"/>
+                        </a:solidFill>
+                        <a:effectLst/>
+                        <a:latin typeface="+mn-lt"/>
+                        <a:ea typeface="新細明體" panose="02020500000000000000" pitchFamily="18" charset="-120"/>
+                      </a:endParaRPr>
+                    </a:p>
+                  </a:txBody>
+                  <a:tcPr marL="9525" marR="9525" marT="9525" marB="0" anchor="ctr"/>
+                </a:tc>
+                <a:tc>
+                  <a:txBody>
+                    <a:bodyPr/>
+                    <a:lstStyle/>
+                    <a:p>
+                      <a:pPr algn="ctr" fontAlgn="ctr"/>
+                      <a:r>
+                        <a:rPr lang="en-US" altLang="zh-TW" sz="1400" u="none" strike="noStrike">
+                          <a:effectLst/>
+                          <a:latin typeface="+mn-lt"/>
+                        </a:rPr>
+                        <a:t>1011.26</a:t>
+                      </a:r>
+                      <a:endParaRPr lang="en-US" altLang="zh-TW" sz="1400" b="0" i="0" u="none" strike="noStrike">
+                        <a:solidFill>
+                          <a:srgbClr val="000000"/>
+                        </a:solidFill>
+                        <a:effectLst/>
+                        <a:latin typeface="+mn-lt"/>
+                        <a:ea typeface="新細明體" panose="02020500000000000000" pitchFamily="18" charset="-120"/>
+                      </a:endParaRPr>
+                    </a:p>
+                  </a:txBody>
+                  <a:tcPr marL="9525" marR="9525" marT="9525" marB="0" anchor="ctr"/>
+                </a:tc>
+                <a:tc>
+                  <a:txBody>
+                    <a:bodyPr/>
+                    <a:lstStyle/>
+                    <a:p>
+                      <a:pPr algn="ctr" fontAlgn="ctr"/>
+                      <a:r>
+                        <a:rPr lang="en-US" altLang="zh-TW" sz="1400" u="none" strike="noStrike">
+                          <a:effectLst/>
+                          <a:latin typeface="+mn-lt"/>
+                        </a:rPr>
+                        <a:t>25</a:t>
+                      </a:r>
+                      <a:endParaRPr lang="en-US" altLang="zh-TW" sz="1400" b="0" i="0" u="none" strike="noStrike">
+                        <a:solidFill>
+                          <a:srgbClr val="000000"/>
+                        </a:solidFill>
+                        <a:effectLst/>
+                        <a:latin typeface="+mn-lt"/>
+                        <a:ea typeface="新細明體" panose="02020500000000000000" pitchFamily="18" charset="-120"/>
+                      </a:endParaRPr>
+                    </a:p>
+                  </a:txBody>
+                  <a:tcPr marL="9525" marR="9525" marT="9525" marB="0" anchor="ctr"/>
+                </a:tc>
+                <a:tc>
+                  <a:txBody>
+                    <a:bodyPr/>
+                    <a:lstStyle/>
+                    <a:p>
+                      <a:pPr algn="ctr" fontAlgn="ctr"/>
+                      <a:r>
+                        <a:rPr lang="en-US" altLang="zh-TW" sz="1400" u="none" strike="noStrike">
+                          <a:effectLst/>
+                          <a:latin typeface="+mn-lt"/>
+                        </a:rPr>
+                        <a:t>6.85</a:t>
+                      </a:r>
+                      <a:endParaRPr lang="en-US" altLang="zh-TW" sz="1400" b="0" i="0" u="none" strike="noStrike">
+                        <a:solidFill>
+                          <a:srgbClr val="000000"/>
+                        </a:solidFill>
+                        <a:effectLst/>
+                        <a:latin typeface="+mn-lt"/>
+                        <a:ea typeface="新細明體" panose="02020500000000000000" pitchFamily="18" charset="-120"/>
+                      </a:endParaRPr>
+                    </a:p>
+                  </a:txBody>
+                  <a:tcPr marL="9525" marR="9525" marT="9525" marB="0" anchor="ctr"/>
+                </a:tc>
+                <a:tc>
+                  <a:txBody>
+                    <a:bodyPr/>
+                    <a:lstStyle/>
+                    <a:p>
+                      <a:pPr algn="ctr" fontAlgn="ctr"/>
+                      <a:r>
+                        <a:rPr lang="en-US" altLang="zh-TW" sz="1400" u="none" strike="noStrike">
+                          <a:effectLst/>
+                          <a:latin typeface="+mn-lt"/>
+                        </a:rPr>
+                        <a:t>289.78</a:t>
+                      </a:r>
+                      <a:endParaRPr lang="en-US" altLang="zh-TW" sz="1400" b="0" i="0" u="none" strike="noStrike">
+                        <a:solidFill>
+                          <a:srgbClr val="000000"/>
+                        </a:solidFill>
+                        <a:effectLst/>
+                        <a:latin typeface="+mn-lt"/>
+                        <a:ea typeface="新細明體" panose="02020500000000000000" pitchFamily="18" charset="-120"/>
+                      </a:endParaRPr>
+                    </a:p>
+                  </a:txBody>
+                  <a:tcPr marL="9525" marR="9525" marT="9525" marB="0" anchor="ctr"/>
+                </a:tc>
+                <a:tc>
+                  <a:txBody>
+                    <a:bodyPr/>
+                    <a:lstStyle/>
+                    <a:p>
+                      <a:pPr algn="ctr" fontAlgn="b"/>
+                      <a:r>
+                        <a:rPr lang="en-US" altLang="zh-TW" sz="1400" u="none" strike="noStrike">
+                          <a:effectLst/>
+                          <a:latin typeface="+mn-lt"/>
+                        </a:rPr>
+                        <a:t>48.96602</a:t>
+                      </a:r>
+                      <a:endParaRPr lang="en-US" altLang="zh-TW" sz="1400" b="0" i="0" u="none" strike="noStrike">
+                        <a:solidFill>
+                          <a:srgbClr val="000000"/>
+                        </a:solidFill>
+                        <a:effectLst/>
+                        <a:latin typeface="+mn-lt"/>
+                        <a:ea typeface="新細明體" panose="02020500000000000000" pitchFamily="18" charset="-120"/>
+                      </a:endParaRPr>
+                    </a:p>
+                  </a:txBody>
+                  <a:tcPr marL="9525" marR="9525" marT="9525" marB="0" anchor="b"/>
+                </a:tc>
+                <a:tc>
+                  <a:txBody>
+                    <a:bodyPr/>
+                    <a:lstStyle/>
+                    <a:p>
+                      <a:pPr algn="ctr" fontAlgn="b"/>
+                      <a:r>
+                        <a:rPr lang="en-US" altLang="zh-TW" sz="1400" u="none" strike="noStrike">
+                          <a:effectLst/>
+                          <a:latin typeface="+mn-lt"/>
+                        </a:rPr>
+                        <a:t>72.42277</a:t>
+                      </a:r>
+                      <a:endParaRPr lang="en-US" altLang="zh-TW" sz="1400" b="0" i="0" u="none" strike="noStrike">
+                        <a:solidFill>
+                          <a:srgbClr val="000000"/>
+                        </a:solidFill>
+                        <a:effectLst/>
+                        <a:latin typeface="+mn-lt"/>
+                        <a:ea typeface="新細明體" panose="02020500000000000000" pitchFamily="18" charset="-120"/>
+                      </a:endParaRPr>
+                    </a:p>
+                  </a:txBody>
+                  <a:tcPr marL="9525" marR="9525" marT="9525" marB="0" anchor="b"/>
+                </a:tc>
+                <a:tc>
+                  <a:txBody>
+                    <a:bodyPr/>
+                    <a:lstStyle/>
+                    <a:p>
+                      <a:pPr algn="ctr" fontAlgn="b"/>
+                      <a:r>
+                        <a:rPr lang="en-US" altLang="zh-TW" sz="1400" u="none" strike="noStrike">
+                          <a:effectLst/>
+                          <a:latin typeface="+mn-lt"/>
+                        </a:rPr>
+                        <a:t>46.59719</a:t>
+                      </a:r>
+                      <a:endParaRPr lang="en-US" altLang="zh-TW" sz="1400" b="0" i="0" u="none" strike="noStrike">
+                        <a:solidFill>
+                          <a:srgbClr val="000000"/>
+                        </a:solidFill>
+                        <a:effectLst/>
+                        <a:latin typeface="+mn-lt"/>
+                        <a:ea typeface="新細明體" panose="02020500000000000000" pitchFamily="18" charset="-120"/>
+                      </a:endParaRPr>
+                    </a:p>
+                  </a:txBody>
+                  <a:tcPr marL="9525" marR="9525" marT="9525" marB="0" anchor="b"/>
+                </a:tc>
+                <a:extLst>
+                  <a:ext uri="{0D108BD9-81ED-4DB2-BD59-A6C34878D82A}">
+                    <a16:rowId xmlns:a16="http://schemas.microsoft.com/office/drawing/2014/main" val="2342214256"/>
+                  </a:ext>
+                </a:extLst>
+              </a:tr>
+              <a:tr h="390053">
+                <a:tc>
+                  <a:txBody>
+                    <a:bodyPr/>
+                    <a:lstStyle/>
+                    <a:p>
+                      <a:pPr algn="ctr" fontAlgn="ctr"/>
+                      <a:r>
+                        <a:rPr lang="en-US" sz="1400" u="none" strike="noStrike">
+                          <a:effectLst/>
+                          <a:latin typeface="+mn-lt"/>
+                        </a:rPr>
+                        <a:t>nansanhuan_aq</a:t>
+                      </a:r>
+                      <a:endParaRPr lang="en-US" sz="1400" b="0" i="0" u="none" strike="noStrike">
+                        <a:solidFill>
+                          <a:srgbClr val="000000"/>
+                        </a:solidFill>
+                        <a:effectLst/>
+                        <a:latin typeface="+mn-lt"/>
+                        <a:ea typeface="新細明體" panose="02020500000000000000" pitchFamily="18" charset="-120"/>
+                      </a:endParaRPr>
+                    </a:p>
+                  </a:txBody>
+                  <a:tcPr marL="9525" marR="9525" marT="9525" marB="0" anchor="ctr"/>
+                </a:tc>
+                <a:tc>
+                  <a:txBody>
+                    <a:bodyPr/>
+                    <a:lstStyle/>
+                    <a:p>
+                      <a:pPr algn="ctr" fontAlgn="ctr"/>
+                      <a:r>
+                        <a:rPr lang="en-US" altLang="zh-TW" sz="1400" u="none" strike="noStrike">
+                          <a:effectLst/>
+                          <a:latin typeface="+mn-lt"/>
+                        </a:rPr>
+                        <a:t>2018/5/2 07:00</a:t>
+                      </a:r>
+                      <a:endParaRPr lang="en-US" altLang="zh-TW" sz="1400" b="0" i="0" u="none" strike="noStrike">
+                        <a:solidFill>
+                          <a:srgbClr val="000000"/>
+                        </a:solidFill>
+                        <a:effectLst/>
+                        <a:latin typeface="+mn-lt"/>
+                        <a:ea typeface="新細明體" panose="02020500000000000000" pitchFamily="18" charset="-120"/>
+                      </a:endParaRPr>
+                    </a:p>
+                  </a:txBody>
+                  <a:tcPr marL="9525" marR="9525" marT="9525" marB="0" anchor="ctr"/>
+                </a:tc>
+                <a:tc>
+                  <a:txBody>
+                    <a:bodyPr/>
+                    <a:lstStyle/>
+                    <a:p>
+                      <a:pPr algn="ctr" fontAlgn="ctr"/>
+                      <a:r>
+                        <a:rPr lang="en-US" altLang="zh-TW" sz="1400" u="none" strike="noStrike">
+                          <a:effectLst/>
+                          <a:latin typeface="+mn-lt"/>
+                        </a:rPr>
+                        <a:t>24</a:t>
+                      </a:r>
+                      <a:endParaRPr lang="en-US" altLang="zh-TW" sz="1400" b="0" i="0" u="none" strike="noStrike">
+                        <a:solidFill>
+                          <a:srgbClr val="000000"/>
+                        </a:solidFill>
+                        <a:effectLst/>
+                        <a:latin typeface="+mn-lt"/>
+                        <a:ea typeface="新細明體" panose="02020500000000000000" pitchFamily="18" charset="-120"/>
+                      </a:endParaRPr>
+                    </a:p>
+                  </a:txBody>
+                  <a:tcPr marL="9525" marR="9525" marT="9525" marB="0" anchor="ctr"/>
+                </a:tc>
+                <a:tc>
+                  <a:txBody>
+                    <a:bodyPr/>
+                    <a:lstStyle/>
+                    <a:p>
+                      <a:pPr algn="ctr" fontAlgn="ctr"/>
+                      <a:r>
+                        <a:rPr lang="en-US" altLang="zh-TW" sz="1400" u="none" strike="noStrike">
+                          <a:effectLst/>
+                          <a:latin typeface="+mn-lt"/>
+                        </a:rPr>
+                        <a:t>1011.02</a:t>
+                      </a:r>
+                      <a:endParaRPr lang="en-US" altLang="zh-TW" sz="1400" b="0" i="0" u="none" strike="noStrike">
+                        <a:solidFill>
+                          <a:srgbClr val="000000"/>
+                        </a:solidFill>
+                        <a:effectLst/>
+                        <a:latin typeface="+mn-lt"/>
+                        <a:ea typeface="新細明體" panose="02020500000000000000" pitchFamily="18" charset="-120"/>
+                      </a:endParaRPr>
+                    </a:p>
+                  </a:txBody>
+                  <a:tcPr marL="9525" marR="9525" marT="9525" marB="0" anchor="ctr"/>
+                </a:tc>
+                <a:tc>
+                  <a:txBody>
+                    <a:bodyPr/>
+                    <a:lstStyle/>
+                    <a:p>
+                      <a:pPr algn="ctr" fontAlgn="ctr"/>
+                      <a:r>
+                        <a:rPr lang="en-US" altLang="zh-TW" sz="1400" u="none" strike="noStrike">
+                          <a:effectLst/>
+                          <a:latin typeface="+mn-lt"/>
+                        </a:rPr>
+                        <a:t>11</a:t>
+                      </a:r>
+                      <a:endParaRPr lang="en-US" altLang="zh-TW" sz="1400" b="0" i="0" u="none" strike="noStrike">
+                        <a:solidFill>
+                          <a:srgbClr val="000000"/>
+                        </a:solidFill>
+                        <a:effectLst/>
+                        <a:latin typeface="+mn-lt"/>
+                        <a:ea typeface="新細明體" panose="02020500000000000000" pitchFamily="18" charset="-120"/>
+                      </a:endParaRPr>
+                    </a:p>
+                  </a:txBody>
+                  <a:tcPr marL="9525" marR="9525" marT="9525" marB="0" anchor="ctr"/>
+                </a:tc>
+                <a:tc>
+                  <a:txBody>
+                    <a:bodyPr/>
+                    <a:lstStyle/>
+                    <a:p>
+                      <a:pPr algn="ctr" fontAlgn="ctr"/>
+                      <a:r>
+                        <a:rPr lang="en-US" altLang="zh-TW" sz="1400" u="none" strike="noStrike">
+                          <a:effectLst/>
+                          <a:latin typeface="+mn-lt"/>
+                        </a:rPr>
+                        <a:t>6.72</a:t>
+                      </a:r>
+                      <a:endParaRPr lang="en-US" altLang="zh-TW" sz="1400" b="0" i="0" u="none" strike="noStrike">
+                        <a:solidFill>
+                          <a:srgbClr val="000000"/>
+                        </a:solidFill>
+                        <a:effectLst/>
+                        <a:latin typeface="+mn-lt"/>
+                        <a:ea typeface="新細明體" panose="02020500000000000000" pitchFamily="18" charset="-120"/>
+                      </a:endParaRPr>
+                    </a:p>
+                  </a:txBody>
+                  <a:tcPr marL="9525" marR="9525" marT="9525" marB="0" anchor="ctr"/>
+                </a:tc>
+                <a:tc>
+                  <a:txBody>
+                    <a:bodyPr/>
+                    <a:lstStyle/>
+                    <a:p>
+                      <a:pPr algn="ctr" fontAlgn="ctr"/>
+                      <a:r>
+                        <a:rPr lang="en-US" altLang="zh-TW" sz="1400" u="none" strike="noStrike">
+                          <a:effectLst/>
+                          <a:latin typeface="+mn-lt"/>
+                        </a:rPr>
+                        <a:t>316.88</a:t>
+                      </a:r>
+                      <a:endParaRPr lang="en-US" altLang="zh-TW" sz="1400" b="0" i="0" u="none" strike="noStrike">
+                        <a:solidFill>
+                          <a:srgbClr val="000000"/>
+                        </a:solidFill>
+                        <a:effectLst/>
+                        <a:latin typeface="+mn-lt"/>
+                        <a:ea typeface="新細明體" panose="02020500000000000000" pitchFamily="18" charset="-120"/>
+                      </a:endParaRPr>
+                    </a:p>
+                  </a:txBody>
+                  <a:tcPr marL="9525" marR="9525" marT="9525" marB="0" anchor="ctr"/>
+                </a:tc>
+                <a:tc>
+                  <a:txBody>
+                    <a:bodyPr/>
+                    <a:lstStyle/>
+                    <a:p>
+                      <a:pPr algn="ctr" fontAlgn="b"/>
+                      <a:r>
+                        <a:rPr lang="en-US" altLang="zh-TW" sz="1400" u="none" strike="noStrike">
+                          <a:effectLst/>
+                          <a:latin typeface="+mn-lt"/>
+                        </a:rPr>
+                        <a:t>42.97006</a:t>
+                      </a:r>
+                      <a:endParaRPr lang="en-US" altLang="zh-TW" sz="1400" b="0" i="0" u="none" strike="noStrike">
+                        <a:solidFill>
+                          <a:srgbClr val="000000"/>
+                        </a:solidFill>
+                        <a:effectLst/>
+                        <a:latin typeface="+mn-lt"/>
+                        <a:ea typeface="新細明體" panose="02020500000000000000" pitchFamily="18" charset="-120"/>
+                      </a:endParaRPr>
+                    </a:p>
+                  </a:txBody>
+                  <a:tcPr marL="9525" marR="9525" marT="9525" marB="0" anchor="b"/>
+                </a:tc>
+                <a:tc>
+                  <a:txBody>
+                    <a:bodyPr/>
+                    <a:lstStyle/>
+                    <a:p>
+                      <a:pPr algn="ctr" fontAlgn="b"/>
+                      <a:r>
+                        <a:rPr lang="en-US" altLang="zh-TW" sz="1400" u="none" strike="noStrike">
+                          <a:effectLst/>
+                          <a:latin typeface="+mn-lt"/>
+                        </a:rPr>
+                        <a:t>77.15015</a:t>
+                      </a:r>
+                      <a:endParaRPr lang="en-US" altLang="zh-TW" sz="1400" b="0" i="0" u="none" strike="noStrike">
+                        <a:solidFill>
+                          <a:srgbClr val="000000"/>
+                        </a:solidFill>
+                        <a:effectLst/>
+                        <a:latin typeface="+mn-lt"/>
+                        <a:ea typeface="新細明體" panose="02020500000000000000" pitchFamily="18" charset="-120"/>
+                      </a:endParaRPr>
+                    </a:p>
+                  </a:txBody>
+                  <a:tcPr marL="9525" marR="9525" marT="9525" marB="0" anchor="b"/>
+                </a:tc>
+                <a:tc>
+                  <a:txBody>
+                    <a:bodyPr/>
+                    <a:lstStyle/>
+                    <a:p>
+                      <a:pPr algn="ctr" fontAlgn="b"/>
+                      <a:r>
+                        <a:rPr lang="en-US" altLang="zh-TW" sz="1400" u="none" strike="noStrike">
+                          <a:effectLst/>
+                          <a:latin typeface="+mn-lt"/>
+                        </a:rPr>
+                        <a:t>45.32896</a:t>
+                      </a:r>
+                      <a:endParaRPr lang="en-US" altLang="zh-TW" sz="1400" b="0" i="0" u="none" strike="noStrike">
+                        <a:solidFill>
+                          <a:srgbClr val="000000"/>
+                        </a:solidFill>
+                        <a:effectLst/>
+                        <a:latin typeface="+mn-lt"/>
+                        <a:ea typeface="新細明體" panose="02020500000000000000" pitchFamily="18" charset="-120"/>
+                      </a:endParaRPr>
+                    </a:p>
+                  </a:txBody>
+                  <a:tcPr marL="9525" marR="9525" marT="9525" marB="0" anchor="b"/>
+                </a:tc>
+                <a:extLst>
+                  <a:ext uri="{0D108BD9-81ED-4DB2-BD59-A6C34878D82A}">
+                    <a16:rowId xmlns:a16="http://schemas.microsoft.com/office/drawing/2014/main" val="989853152"/>
+                  </a:ext>
+                </a:extLst>
+              </a:tr>
+              <a:tr h="390053">
+                <a:tc>
+                  <a:txBody>
+                    <a:bodyPr/>
+                    <a:lstStyle/>
+                    <a:p>
+                      <a:pPr algn="ctr" fontAlgn="ctr"/>
+                      <a:r>
+                        <a:rPr lang="en-US" sz="1400" u="none" strike="noStrike">
+                          <a:effectLst/>
+                          <a:latin typeface="+mn-lt"/>
+                        </a:rPr>
+                        <a:t>huairou_aq</a:t>
+                      </a:r>
+                      <a:endParaRPr lang="en-US" sz="1400" b="0" i="0" u="none" strike="noStrike">
+                        <a:solidFill>
+                          <a:srgbClr val="000000"/>
+                        </a:solidFill>
+                        <a:effectLst/>
+                        <a:latin typeface="+mn-lt"/>
+                        <a:ea typeface="新細明體" panose="02020500000000000000" pitchFamily="18" charset="-120"/>
+                      </a:endParaRPr>
+                    </a:p>
+                  </a:txBody>
+                  <a:tcPr marL="9525" marR="9525" marT="9525" marB="0" anchor="ctr"/>
+                </a:tc>
+                <a:tc>
+                  <a:txBody>
+                    <a:bodyPr/>
+                    <a:lstStyle/>
+                    <a:p>
+                      <a:pPr algn="ctr" fontAlgn="ctr"/>
+                      <a:r>
+                        <a:rPr lang="en-US" altLang="zh-TW" sz="1400" u="none" strike="noStrike">
+                          <a:effectLst/>
+                          <a:latin typeface="+mn-lt"/>
+                        </a:rPr>
+                        <a:t>2018/5/2 11:00</a:t>
+                      </a:r>
+                      <a:endParaRPr lang="en-US" altLang="zh-TW" sz="1400" b="0" i="0" u="none" strike="noStrike">
+                        <a:solidFill>
+                          <a:srgbClr val="000000"/>
+                        </a:solidFill>
+                        <a:effectLst/>
+                        <a:latin typeface="+mn-lt"/>
+                        <a:ea typeface="新細明體" panose="02020500000000000000" pitchFamily="18" charset="-120"/>
+                      </a:endParaRPr>
+                    </a:p>
+                  </a:txBody>
+                  <a:tcPr marL="9525" marR="9525" marT="9525" marB="0" anchor="ctr"/>
+                </a:tc>
+                <a:tc>
+                  <a:txBody>
+                    <a:bodyPr/>
+                    <a:lstStyle/>
+                    <a:p>
+                      <a:pPr algn="ctr" fontAlgn="ctr"/>
+                      <a:r>
+                        <a:rPr lang="en-US" altLang="zh-TW" sz="1400" u="none" strike="noStrike">
+                          <a:effectLst/>
+                          <a:latin typeface="+mn-lt"/>
+                        </a:rPr>
+                        <a:t>21.06</a:t>
+                      </a:r>
+                      <a:endParaRPr lang="en-US" altLang="zh-TW" sz="1400" b="0" i="0" u="none" strike="noStrike">
+                        <a:solidFill>
+                          <a:srgbClr val="000000"/>
+                        </a:solidFill>
+                        <a:effectLst/>
+                        <a:latin typeface="+mn-lt"/>
+                        <a:ea typeface="新細明體" panose="02020500000000000000" pitchFamily="18" charset="-120"/>
+                      </a:endParaRPr>
+                    </a:p>
+                  </a:txBody>
+                  <a:tcPr marL="9525" marR="9525" marT="9525" marB="0" anchor="ctr"/>
+                </a:tc>
+                <a:tc>
+                  <a:txBody>
+                    <a:bodyPr/>
+                    <a:lstStyle/>
+                    <a:p>
+                      <a:pPr algn="ctr" fontAlgn="ctr"/>
+                      <a:r>
+                        <a:rPr lang="en-US" altLang="zh-TW" sz="1400" u="none" strike="noStrike">
+                          <a:effectLst/>
+                          <a:latin typeface="+mn-lt"/>
+                        </a:rPr>
+                        <a:t>996.86</a:t>
+                      </a:r>
+                      <a:endParaRPr lang="en-US" altLang="zh-TW" sz="1400" b="0" i="0" u="none" strike="noStrike">
+                        <a:solidFill>
+                          <a:srgbClr val="000000"/>
+                        </a:solidFill>
+                        <a:effectLst/>
+                        <a:latin typeface="+mn-lt"/>
+                        <a:ea typeface="新細明體" panose="02020500000000000000" pitchFamily="18" charset="-120"/>
+                      </a:endParaRPr>
+                    </a:p>
+                  </a:txBody>
+                  <a:tcPr marL="9525" marR="9525" marT="9525" marB="0" anchor="ctr"/>
+                </a:tc>
+                <a:tc>
+                  <a:txBody>
+                    <a:bodyPr/>
+                    <a:lstStyle/>
+                    <a:p>
+                      <a:pPr algn="ctr" fontAlgn="ctr"/>
+                      <a:r>
+                        <a:rPr lang="en-US" altLang="zh-TW" sz="1400" u="none" strike="noStrike">
+                          <a:effectLst/>
+                          <a:latin typeface="+mn-lt"/>
+                        </a:rPr>
+                        <a:t>35</a:t>
+                      </a:r>
+                      <a:endParaRPr lang="en-US" altLang="zh-TW" sz="1400" b="0" i="0" u="none" strike="noStrike">
+                        <a:solidFill>
+                          <a:srgbClr val="000000"/>
+                        </a:solidFill>
+                        <a:effectLst/>
+                        <a:latin typeface="+mn-lt"/>
+                        <a:ea typeface="新細明體" panose="02020500000000000000" pitchFamily="18" charset="-120"/>
+                      </a:endParaRPr>
+                    </a:p>
+                  </a:txBody>
+                  <a:tcPr marL="9525" marR="9525" marT="9525" marB="0" anchor="ctr"/>
+                </a:tc>
+                <a:tc>
+                  <a:txBody>
+                    <a:bodyPr/>
+                    <a:lstStyle/>
+                    <a:p>
+                      <a:pPr algn="ctr" fontAlgn="ctr"/>
+                      <a:r>
+                        <a:rPr lang="en-US" altLang="zh-TW" sz="1400" u="none" strike="noStrike">
+                          <a:effectLst/>
+                          <a:latin typeface="+mn-lt"/>
+                        </a:rPr>
+                        <a:t>11.6</a:t>
+                      </a:r>
+                      <a:endParaRPr lang="en-US" altLang="zh-TW" sz="1400" b="0" i="0" u="none" strike="noStrike">
+                        <a:solidFill>
+                          <a:srgbClr val="000000"/>
+                        </a:solidFill>
+                        <a:effectLst/>
+                        <a:latin typeface="+mn-lt"/>
+                        <a:ea typeface="新細明體" panose="02020500000000000000" pitchFamily="18" charset="-120"/>
+                      </a:endParaRPr>
+                    </a:p>
+                  </a:txBody>
+                  <a:tcPr marL="9525" marR="9525" marT="9525" marB="0" anchor="ctr"/>
+                </a:tc>
+                <a:tc>
+                  <a:txBody>
+                    <a:bodyPr/>
+                    <a:lstStyle/>
+                    <a:p>
+                      <a:pPr algn="ctr" fontAlgn="ctr"/>
+                      <a:r>
+                        <a:rPr lang="en-US" altLang="zh-TW" sz="1400" u="none" strike="noStrike">
+                          <a:effectLst/>
+                          <a:latin typeface="+mn-lt"/>
+                        </a:rPr>
+                        <a:t>13.74</a:t>
+                      </a:r>
+                      <a:endParaRPr lang="en-US" altLang="zh-TW" sz="1400" b="0" i="0" u="none" strike="noStrike">
+                        <a:solidFill>
+                          <a:srgbClr val="000000"/>
+                        </a:solidFill>
+                        <a:effectLst/>
+                        <a:latin typeface="+mn-lt"/>
+                        <a:ea typeface="新細明體" panose="02020500000000000000" pitchFamily="18" charset="-120"/>
+                      </a:endParaRPr>
+                    </a:p>
+                  </a:txBody>
+                  <a:tcPr marL="9525" marR="9525" marT="9525" marB="0" anchor="ctr"/>
+                </a:tc>
+                <a:tc>
+                  <a:txBody>
+                    <a:bodyPr/>
+                    <a:lstStyle/>
+                    <a:p>
+                      <a:pPr algn="ctr" fontAlgn="b"/>
+                      <a:r>
+                        <a:rPr lang="en-US" altLang="zh-TW" sz="1400" u="none" strike="noStrike">
+                          <a:effectLst/>
+                          <a:latin typeface="+mn-lt"/>
+                        </a:rPr>
+                        <a:t>44.80153</a:t>
+                      </a:r>
+                      <a:endParaRPr lang="en-US" altLang="zh-TW" sz="1400" b="0" i="0" u="none" strike="noStrike">
+                        <a:solidFill>
+                          <a:srgbClr val="000000"/>
+                        </a:solidFill>
+                        <a:effectLst/>
+                        <a:latin typeface="+mn-lt"/>
+                        <a:ea typeface="新細明體" panose="02020500000000000000" pitchFamily="18" charset="-120"/>
+                      </a:endParaRPr>
+                    </a:p>
+                  </a:txBody>
+                  <a:tcPr marL="9525" marR="9525" marT="9525" marB="0" anchor="b"/>
+                </a:tc>
+                <a:tc>
+                  <a:txBody>
+                    <a:bodyPr/>
+                    <a:lstStyle/>
+                    <a:p>
+                      <a:pPr algn="ctr" fontAlgn="b"/>
+                      <a:r>
+                        <a:rPr lang="en-US" altLang="zh-TW" sz="1400" u="none" strike="noStrike">
+                          <a:effectLst/>
+                          <a:latin typeface="+mn-lt"/>
+                        </a:rPr>
+                        <a:t>76.76552</a:t>
+                      </a:r>
+                      <a:endParaRPr lang="en-US" altLang="zh-TW" sz="1400" b="0" i="0" u="none" strike="noStrike">
+                        <a:solidFill>
+                          <a:srgbClr val="000000"/>
+                        </a:solidFill>
+                        <a:effectLst/>
+                        <a:latin typeface="+mn-lt"/>
+                        <a:ea typeface="新細明體" panose="02020500000000000000" pitchFamily="18" charset="-120"/>
+                      </a:endParaRPr>
+                    </a:p>
+                  </a:txBody>
+                  <a:tcPr marL="9525" marR="9525" marT="9525" marB="0" anchor="b"/>
+                </a:tc>
+                <a:tc>
+                  <a:txBody>
+                    <a:bodyPr/>
+                    <a:lstStyle/>
+                    <a:p>
+                      <a:pPr algn="ctr" fontAlgn="b"/>
+                      <a:r>
+                        <a:rPr lang="en-US" altLang="zh-TW" sz="1400" u="none" strike="noStrike">
+                          <a:effectLst/>
+                          <a:latin typeface="+mn-lt"/>
+                        </a:rPr>
+                        <a:t>74.88148</a:t>
+                      </a:r>
+                      <a:endParaRPr lang="en-US" altLang="zh-TW" sz="1400" b="0" i="0" u="none" strike="noStrike">
+                        <a:solidFill>
+                          <a:srgbClr val="000000"/>
+                        </a:solidFill>
+                        <a:effectLst/>
+                        <a:latin typeface="+mn-lt"/>
+                        <a:ea typeface="新細明體" panose="02020500000000000000" pitchFamily="18" charset="-120"/>
+                      </a:endParaRPr>
+                    </a:p>
+                  </a:txBody>
+                  <a:tcPr marL="9525" marR="9525" marT="9525" marB="0" anchor="b"/>
+                </a:tc>
+                <a:extLst>
+                  <a:ext uri="{0D108BD9-81ED-4DB2-BD59-A6C34878D82A}">
+                    <a16:rowId xmlns:a16="http://schemas.microsoft.com/office/drawing/2014/main" val="973867244"/>
+                  </a:ext>
+                </a:extLst>
+              </a:tr>
+              <a:tr h="390053">
+                <a:tc>
+                  <a:txBody>
+                    <a:bodyPr/>
+                    <a:lstStyle/>
+                    <a:p>
+                      <a:pPr algn="ctr" fontAlgn="ctr"/>
+                      <a:r>
+                        <a:rPr lang="en-US" sz="1400" u="none" strike="noStrike">
+                          <a:effectLst/>
+                          <a:latin typeface="+mn-lt"/>
+                        </a:rPr>
+                        <a:t>liulihe_aq</a:t>
+                      </a:r>
+                      <a:endParaRPr lang="en-US" sz="1400" b="0" i="0" u="none" strike="noStrike">
+                        <a:solidFill>
+                          <a:srgbClr val="000000"/>
+                        </a:solidFill>
+                        <a:effectLst/>
+                        <a:latin typeface="+mn-lt"/>
+                        <a:ea typeface="新細明體" panose="02020500000000000000" pitchFamily="18" charset="-120"/>
+                      </a:endParaRPr>
+                    </a:p>
+                  </a:txBody>
+                  <a:tcPr marL="9525" marR="9525" marT="9525" marB="0" anchor="ctr"/>
+                </a:tc>
+                <a:tc>
+                  <a:txBody>
+                    <a:bodyPr/>
+                    <a:lstStyle/>
+                    <a:p>
+                      <a:pPr algn="ctr" fontAlgn="ctr"/>
+                      <a:r>
+                        <a:rPr lang="en-US" altLang="zh-TW" sz="1400" u="none" strike="noStrike">
+                          <a:effectLst/>
+                          <a:latin typeface="+mn-lt"/>
+                        </a:rPr>
+                        <a:t>2018/5/1 19:00</a:t>
+                      </a:r>
+                      <a:endParaRPr lang="en-US" altLang="zh-TW" sz="1400" b="0" i="0" u="none" strike="noStrike">
+                        <a:solidFill>
+                          <a:srgbClr val="000000"/>
+                        </a:solidFill>
+                        <a:effectLst/>
+                        <a:latin typeface="+mn-lt"/>
+                        <a:ea typeface="新細明體" panose="02020500000000000000" pitchFamily="18" charset="-120"/>
+                      </a:endParaRPr>
+                    </a:p>
+                  </a:txBody>
+                  <a:tcPr marL="9525" marR="9525" marT="9525" marB="0" anchor="ctr"/>
+                </a:tc>
+                <a:tc>
+                  <a:txBody>
+                    <a:bodyPr/>
+                    <a:lstStyle/>
+                    <a:p>
+                      <a:pPr algn="ctr" fontAlgn="ctr"/>
+                      <a:r>
+                        <a:rPr lang="en-US" altLang="zh-TW" sz="1400" u="none" strike="noStrike">
+                          <a:effectLst/>
+                          <a:latin typeface="+mn-lt"/>
+                        </a:rPr>
+                        <a:t>12</a:t>
+                      </a:r>
+                      <a:endParaRPr lang="en-US" altLang="zh-TW" sz="1400" b="0" i="0" u="none" strike="noStrike">
+                        <a:solidFill>
+                          <a:srgbClr val="000000"/>
+                        </a:solidFill>
+                        <a:effectLst/>
+                        <a:latin typeface="+mn-lt"/>
+                        <a:ea typeface="新細明體" panose="02020500000000000000" pitchFamily="18" charset="-120"/>
+                      </a:endParaRPr>
+                    </a:p>
+                  </a:txBody>
+                  <a:tcPr marL="9525" marR="9525" marT="9525" marB="0" anchor="ctr"/>
+                </a:tc>
+                <a:tc>
+                  <a:txBody>
+                    <a:bodyPr/>
+                    <a:lstStyle/>
+                    <a:p>
+                      <a:pPr algn="ctr" fontAlgn="ctr"/>
+                      <a:r>
+                        <a:rPr lang="en-US" altLang="zh-TW" sz="1400" u="none" strike="noStrike">
+                          <a:effectLst/>
+                          <a:latin typeface="+mn-lt"/>
+                        </a:rPr>
+                        <a:t>1007.93</a:t>
+                      </a:r>
+                      <a:endParaRPr lang="en-US" altLang="zh-TW" sz="1400" b="0" i="0" u="none" strike="noStrike">
+                        <a:solidFill>
+                          <a:srgbClr val="000000"/>
+                        </a:solidFill>
+                        <a:effectLst/>
+                        <a:latin typeface="+mn-lt"/>
+                        <a:ea typeface="新細明體" panose="02020500000000000000" pitchFamily="18" charset="-120"/>
+                      </a:endParaRPr>
+                    </a:p>
+                  </a:txBody>
+                  <a:tcPr marL="9525" marR="9525" marT="9525" marB="0" anchor="ctr"/>
+                </a:tc>
+                <a:tc>
+                  <a:txBody>
+                    <a:bodyPr/>
+                    <a:lstStyle/>
+                    <a:p>
+                      <a:pPr algn="ctr" fontAlgn="ctr"/>
+                      <a:r>
+                        <a:rPr lang="en-US" altLang="zh-TW" sz="1400" u="none" strike="noStrike">
+                          <a:effectLst/>
+                          <a:latin typeface="+mn-lt"/>
+                        </a:rPr>
+                        <a:t>50</a:t>
+                      </a:r>
+                      <a:endParaRPr lang="en-US" altLang="zh-TW" sz="1400" b="0" i="0" u="none" strike="noStrike">
+                        <a:solidFill>
+                          <a:srgbClr val="000000"/>
+                        </a:solidFill>
+                        <a:effectLst/>
+                        <a:latin typeface="+mn-lt"/>
+                        <a:ea typeface="新細明體" panose="02020500000000000000" pitchFamily="18" charset="-120"/>
+                      </a:endParaRPr>
+                    </a:p>
+                  </a:txBody>
+                  <a:tcPr marL="9525" marR="9525" marT="9525" marB="0" anchor="ctr"/>
+                </a:tc>
+                <a:tc>
+                  <a:txBody>
+                    <a:bodyPr/>
+                    <a:lstStyle/>
+                    <a:p>
+                      <a:pPr algn="ctr" fontAlgn="ctr"/>
+                      <a:r>
+                        <a:rPr lang="en-US" altLang="zh-TW" sz="1400" u="none" strike="noStrike">
+                          <a:effectLst/>
+                          <a:latin typeface="+mn-lt"/>
+                        </a:rPr>
+                        <a:t>9.32</a:t>
+                      </a:r>
+                      <a:endParaRPr lang="en-US" altLang="zh-TW" sz="1400" b="0" i="0" u="none" strike="noStrike">
+                        <a:solidFill>
+                          <a:srgbClr val="000000"/>
+                        </a:solidFill>
+                        <a:effectLst/>
+                        <a:latin typeface="+mn-lt"/>
+                        <a:ea typeface="新細明體" panose="02020500000000000000" pitchFamily="18" charset="-120"/>
+                      </a:endParaRPr>
+                    </a:p>
+                  </a:txBody>
+                  <a:tcPr marL="9525" marR="9525" marT="9525" marB="0" anchor="ctr"/>
+                </a:tc>
+                <a:tc>
+                  <a:txBody>
+                    <a:bodyPr/>
+                    <a:lstStyle/>
+                    <a:p>
+                      <a:pPr algn="ctr" fontAlgn="ctr"/>
+                      <a:r>
+                        <a:rPr lang="en-US" altLang="zh-TW" sz="1400" u="none" strike="noStrike">
+                          <a:effectLst/>
+                          <a:latin typeface="+mn-lt"/>
+                        </a:rPr>
+                        <a:t>350.38</a:t>
+                      </a:r>
+                      <a:endParaRPr lang="en-US" altLang="zh-TW" sz="1400" b="0" i="0" u="none" strike="noStrike">
+                        <a:solidFill>
+                          <a:srgbClr val="000000"/>
+                        </a:solidFill>
+                        <a:effectLst/>
+                        <a:latin typeface="+mn-lt"/>
+                        <a:ea typeface="新細明體" panose="02020500000000000000" pitchFamily="18" charset="-120"/>
+                      </a:endParaRPr>
+                    </a:p>
+                  </a:txBody>
+                  <a:tcPr marL="9525" marR="9525" marT="9525" marB="0" anchor="ctr"/>
+                </a:tc>
+                <a:tc>
+                  <a:txBody>
+                    <a:bodyPr/>
+                    <a:lstStyle/>
+                    <a:p>
+                      <a:pPr algn="ctr" fontAlgn="b"/>
+                      <a:r>
+                        <a:rPr lang="en-US" altLang="zh-TW" sz="1400" u="none" strike="noStrike">
+                          <a:effectLst/>
+                          <a:latin typeface="+mn-lt"/>
+                        </a:rPr>
+                        <a:t>89.52051</a:t>
+                      </a:r>
+                      <a:endParaRPr lang="en-US" altLang="zh-TW" sz="1400" b="0" i="0" u="none" strike="noStrike">
+                        <a:solidFill>
+                          <a:srgbClr val="000000"/>
+                        </a:solidFill>
+                        <a:effectLst/>
+                        <a:latin typeface="+mn-lt"/>
+                        <a:ea typeface="新細明體" panose="02020500000000000000" pitchFamily="18" charset="-120"/>
+                      </a:endParaRPr>
+                    </a:p>
+                  </a:txBody>
+                  <a:tcPr marL="9525" marR="9525" marT="9525" marB="0" anchor="b"/>
+                </a:tc>
+                <a:tc>
+                  <a:txBody>
+                    <a:bodyPr/>
+                    <a:lstStyle/>
+                    <a:p>
+                      <a:pPr algn="ctr" fontAlgn="b"/>
+                      <a:r>
+                        <a:rPr lang="en-US" altLang="zh-TW" sz="1400" u="none" strike="noStrike">
+                          <a:effectLst/>
+                          <a:latin typeface="+mn-lt"/>
+                        </a:rPr>
+                        <a:t>138.0652</a:t>
+                      </a:r>
+                      <a:endParaRPr lang="en-US" altLang="zh-TW" sz="1400" b="0" i="0" u="none" strike="noStrike">
+                        <a:solidFill>
+                          <a:srgbClr val="000000"/>
+                        </a:solidFill>
+                        <a:effectLst/>
+                        <a:latin typeface="+mn-lt"/>
+                        <a:ea typeface="新細明體" panose="02020500000000000000" pitchFamily="18" charset="-120"/>
+                      </a:endParaRPr>
+                    </a:p>
+                  </a:txBody>
+                  <a:tcPr marL="9525" marR="9525" marT="9525" marB="0" anchor="b"/>
+                </a:tc>
+                <a:tc>
+                  <a:txBody>
+                    <a:bodyPr/>
+                    <a:lstStyle/>
+                    <a:p>
+                      <a:pPr algn="ctr" fontAlgn="b"/>
+                      <a:r>
+                        <a:rPr lang="en-US" altLang="zh-TW" sz="1400" u="none" strike="noStrike" dirty="0">
+                          <a:effectLst/>
+                          <a:latin typeface="+mn-lt"/>
+                        </a:rPr>
+                        <a:t>43.66695</a:t>
+                      </a:r>
+                      <a:endParaRPr lang="en-US" altLang="zh-TW" sz="1400" b="0" i="0" u="none" strike="noStrike" dirty="0">
+                        <a:solidFill>
+                          <a:srgbClr val="000000"/>
+                        </a:solidFill>
+                        <a:effectLst/>
+                        <a:latin typeface="+mn-lt"/>
+                        <a:ea typeface="新細明體" panose="02020500000000000000" pitchFamily="18" charset="-120"/>
+                      </a:endParaRPr>
+                    </a:p>
+                  </a:txBody>
+                  <a:tcPr marL="9525" marR="9525" marT="9525" marB="0" anchor="b"/>
+                </a:tc>
+                <a:extLst>
+                  <a:ext uri="{0D108BD9-81ED-4DB2-BD59-A6C34878D82A}">
+                    <a16:rowId xmlns:a16="http://schemas.microsoft.com/office/drawing/2014/main" val="1224688983"/>
+                  </a:ext>
+                </a:extLst>
+              </a:tr>
+            </a:tbl>
+          </a:graphicData>
+        </a:graphic>
+      </p:graphicFrame>
     </p:spTree>
     <p:extLst>
       <p:ext uri="{BB962C8B-B14F-4D97-AF65-F5344CB8AC3E}">
-        <p14:creationId xmlns:p14="http://schemas.microsoft.com/office/powerpoint/2010/main" val="326360045"/>
+        <p14:creationId xmlns:p14="http://schemas.microsoft.com/office/powerpoint/2010/main" val="3504418088"/>
       </p:ext>
     </p:extLst>
   </p:cSld>
